--- a/Soft and Communication Skills.pptx
+++ b/Soft and Communication Skills.pptx
@@ -5,7 +5,7 @@
     <p:sldMasterId id="2147483660" r:id="rId4"/>
   </p:sldMasterIdLst>
   <p:notesMasterIdLst>
-    <p:notesMasterId r:id="rId16"/>
+    <p:notesMasterId r:id="rId17"/>
   </p:notesMasterIdLst>
   <p:sldIdLst>
     <p:sldId id="278" r:id="rId5"/>
@@ -18,7 +18,8 @@
     <p:sldId id="285" r:id="rId12"/>
     <p:sldId id="286" r:id="rId13"/>
     <p:sldId id="287" r:id="rId14"/>
-    <p:sldId id="288" r:id="rId15"/>
+    <p:sldId id="289" r:id="rId15"/>
+    <p:sldId id="288" r:id="rId16"/>
   </p:sldIdLst>
   <p:sldSz cx="12192000" cy="6858000"/>
   <p:notesSz cx="6858000" cy="9144000"/>
@@ -6487,7 +6488,7 @@
           </a:effectLst>
           <a:extLst>
             <a:ext uri="{91240B29-F687-4f45-9708-019B960494DF}">
-              <a14:hiddenLine xmlns:a16="http://schemas.microsoft.com/office/drawing/2014/main" xmlns:p14="http://schemas.microsoft.com/office/powerpoint/2010/main" xmlns:a14="http://schemas.microsoft.com/office/drawing/2010/main" xmlns="" w="9525">
+              <a14:hiddenLine xmlns="" xmlns:a14="http://schemas.microsoft.com/office/drawing/2010/main" xmlns:p14="http://schemas.microsoft.com/office/powerpoint/2010/main" xmlns:a16="http://schemas.microsoft.com/office/drawing/2014/main" w="9525">
                 <a:solidFill>
                   <a:srgbClr val="000000"/>
                 </a:solidFill>
@@ -6763,6 +6764,107 @@
 </file>
 
 <file path=ppt/slides/slide11.xml><?xml version="1.0" encoding="utf-8"?>
+<p:sld xmlns:a="http://schemas.openxmlformats.org/drawingml/2006/main" xmlns:r="http://schemas.openxmlformats.org/officeDocument/2006/relationships" xmlns:p="http://schemas.openxmlformats.org/presentationml/2006/main">
+  <p:cSld>
+    <p:spTree>
+      <p:nvGrpSpPr>
+        <p:cNvPr id="1" name=""/>
+        <p:cNvGrpSpPr/>
+        <p:nvPr/>
+      </p:nvGrpSpPr>
+      <p:grpSpPr>
+        <a:xfrm>
+          <a:off x="0" y="0"/>
+          <a:ext cx="0" cy="0"/>
+          <a:chOff x="0" y="0"/>
+          <a:chExt cx="0" cy="0"/>
+        </a:xfrm>
+      </p:grpSpPr>
+      <p:sp>
+        <p:nvSpPr>
+          <p:cNvPr id="2" name="Title 1">
+            <a:extLst>
+              <a:ext uri="{FF2B5EF4-FFF2-40B4-BE49-F238E27FC236}">
+                <a16:creationId xmlns:a16="http://schemas.microsoft.com/office/drawing/2014/main" id="{E09CEDDC-EFD8-47A6-A265-7D1D889A994F}"/>
+              </a:ext>
+            </a:extLst>
+          </p:cNvPr>
+          <p:cNvSpPr>
+            <a:spLocks noGrp="1"/>
+          </p:cNvSpPr>
+          <p:nvPr>
+            <p:ph type="title"/>
+          </p:nvPr>
+        </p:nvSpPr>
+        <p:spPr/>
+        <p:txBody>
+          <a:bodyPr/>
+          <a:lstStyle/>
+          <a:p>
+            <a:r>
+              <a:rPr lang="en-US" dirty="0"/>
+              <a:t>Conclusion</a:t>
+            </a:r>
+          </a:p>
+        </p:txBody>
+      </p:sp>
+      <p:sp>
+        <p:nvSpPr>
+          <p:cNvPr id="3" name="Content Placeholder 2">
+            <a:extLst>
+              <a:ext uri="{FF2B5EF4-FFF2-40B4-BE49-F238E27FC236}">
+                <a16:creationId xmlns:a16="http://schemas.microsoft.com/office/drawing/2014/main" id="{02C234F5-B561-4305-8F1D-B4767B985191}"/>
+              </a:ext>
+            </a:extLst>
+          </p:cNvPr>
+          <p:cNvSpPr>
+            <a:spLocks noGrp="1"/>
+          </p:cNvSpPr>
+          <p:nvPr>
+            <p:ph idx="1"/>
+          </p:nvPr>
+        </p:nvSpPr>
+        <p:spPr/>
+        <p:txBody>
+          <a:bodyPr/>
+          <a:lstStyle/>
+          <a:p>
+            <a:r>
+              <a:rPr lang="en-US" sz="2400" dirty="0"/>
+              <a:t>More and more businesses are considering soft skills as important job as an criteria.</a:t>
+            </a:r>
+          </a:p>
+          <a:p>
+            <a:r>
+              <a:rPr lang="en-US" sz="2400" dirty="0"/>
+              <a:t>An increase in service industry emphasizes the need for soft skills.</a:t>
+            </a:r>
+          </a:p>
+          <a:p>
+            <a:r>
+              <a:rPr lang="en-US" sz="2400" dirty="0"/>
+              <a:t>Soft skills are used in personal and personal life.</a:t>
+            </a:r>
+          </a:p>
+          <a:p>
+            <a:endParaRPr lang="en-US" dirty="0"/>
+          </a:p>
+        </p:txBody>
+      </p:sp>
+    </p:spTree>
+    <p:extLst>
+      <p:ext uri="{BB962C8B-B14F-4D97-AF65-F5344CB8AC3E}">
+        <p14:creationId xmlns:p14="http://schemas.microsoft.com/office/powerpoint/2010/main" val="3401871392"/>
+      </p:ext>
+    </p:extLst>
+  </p:cSld>
+  <p:clrMapOvr>
+    <a:masterClrMapping/>
+  </p:clrMapOvr>
+</p:sld>
+</file>
+
+<file path=ppt/slides/slide12.xml><?xml version="1.0" encoding="utf-8"?>
 <p:sld xmlns:a="http://schemas.openxmlformats.org/drawingml/2006/main" xmlns:r="http://schemas.openxmlformats.org/officeDocument/2006/relationships" xmlns:p="http://schemas.openxmlformats.org/presentationml/2006/main">
   <p:cSld>
     <p:bg>
@@ -7447,6 +7549,19 @@
                 <a:latin typeface="Goudy Old Style (Body)"/>
               </a:rPr>
               <a:t>Grammar</a:t>
+            </a:r>
+          </a:p>
+          <a:p>
+            <a:pPr algn="l" fontAlgn="base">
+              <a:buFont typeface="Arial" panose="020B0604020202020204" pitchFamily="34" charset="0"/>
+              <a:buChar char="•"/>
+            </a:pPr>
+            <a:r>
+              <a:rPr lang="en-US" sz="2000" b="0" i="0" dirty="0">
+                <a:effectLst/>
+                <a:latin typeface="Goudy Old Style (Body)"/>
+              </a:rPr>
+              <a:t>Conclusion</a:t>
             </a:r>
           </a:p>
           <a:p>
@@ -8962,21 +9077,21 @@
 </file>
 
 <file path=customXml/item1.xml><?xml version="1.0" encoding="utf-8"?>
+<p:properties xmlns:p="http://schemas.microsoft.com/office/2006/metadata/properties" xmlns:xsi="http://www.w3.org/2001/XMLSchema-instance" xmlns:pc="http://schemas.microsoft.com/office/infopath/2007/PartnerControls">
+  <documentManagement>
+    <Status xmlns="71af3243-3dd4-4a8d-8c0d-dd76da1f02a5">Not started</Status>
+    <MediaServiceKeyPoints xmlns="71af3243-3dd4-4a8d-8c0d-dd76da1f02a5" xsi:nil="true"/>
+  </documentManagement>
+</p:properties>
+</file>
+
+<file path=customXml/item2.xml><?xml version="1.0" encoding="utf-8"?>
 <?mso-contentType ?>
 <FormTemplates xmlns="http://schemas.microsoft.com/sharepoint/v3/contenttype/forms">
   <Display>DocumentLibraryForm</Display>
   <Edit>DocumentLibraryForm</Edit>
   <New>DocumentLibraryForm</New>
 </FormTemplates>
-</file>
-
-<file path=customXml/item2.xml><?xml version="1.0" encoding="utf-8"?>
-<p:properties xmlns:p="http://schemas.microsoft.com/office/2006/metadata/properties" xmlns:xsi="http://www.w3.org/2001/XMLSchema-instance" xmlns:pc="http://schemas.microsoft.com/office/infopath/2007/PartnerControls">
-  <documentManagement>
-    <Status xmlns="71af3243-3dd4-4a8d-8c0d-dd76da1f02a5">Not started</Status>
-    <MediaServiceKeyPoints xmlns="71af3243-3dd4-4a8d-8c0d-dd76da1f02a5" xsi:nil="true"/>
-  </documentManagement>
-</p:properties>
 </file>
 
 <file path=customXml/item3.xml><?xml version="1.0" encoding="utf-8"?>
@@ -9201,19 +9316,19 @@
 </file>
 
 <file path=customXml/itemProps1.xml><?xml version="1.0" encoding="utf-8"?>
-<ds:datastoreItem xmlns:ds="http://schemas.openxmlformats.org/officeDocument/2006/customXml" ds:itemID="{64B270AB-C138-415C-897E-3C24487DECF1}">
+<ds:datastoreItem xmlns:ds="http://schemas.openxmlformats.org/officeDocument/2006/customXml" ds:itemID="{2C4C00F4-06E9-43E3-AD97-88A857CEFA82}">
   <ds:schemaRefs>
-    <ds:schemaRef ds:uri="http://schemas.microsoft.com/sharepoint/v3/contenttype/forms"/>
+    <ds:schemaRef ds:uri="http://schemas.microsoft.com/office/2006/metadata/properties"/>
+    <ds:schemaRef ds:uri="http://schemas.microsoft.com/office/infopath/2007/PartnerControls"/>
+    <ds:schemaRef ds:uri="71af3243-3dd4-4a8d-8c0d-dd76da1f02a5"/>
   </ds:schemaRefs>
 </ds:datastoreItem>
 </file>
 
 <file path=customXml/itemProps2.xml><?xml version="1.0" encoding="utf-8"?>
-<ds:datastoreItem xmlns:ds="http://schemas.openxmlformats.org/officeDocument/2006/customXml" ds:itemID="{2C4C00F4-06E9-43E3-AD97-88A857CEFA82}">
+<ds:datastoreItem xmlns:ds="http://schemas.openxmlformats.org/officeDocument/2006/customXml" ds:itemID="{64B270AB-C138-415C-897E-3C24487DECF1}">
   <ds:schemaRefs>
-    <ds:schemaRef ds:uri="http://schemas.microsoft.com/office/2006/metadata/properties"/>
-    <ds:schemaRef ds:uri="http://schemas.microsoft.com/office/infopath/2007/PartnerControls"/>
-    <ds:schemaRef ds:uri="71af3243-3dd4-4a8d-8c0d-dd76da1f02a5"/>
+    <ds:schemaRef ds:uri="http://schemas.microsoft.com/sharepoint/v3/contenttype/forms"/>
   </ds:schemaRefs>
 </ds:datastoreItem>
 </file>
